--- a/Week01/Lesson02/Android02.pptx
+++ b/Week01/Lesson02/Android02.pptx
@@ -338,7 +338,7 @@
               <a:pPr>
                 <a:defRPr/>
               </a:pPr>
-              <a:t>24.04.2016</a:t>
+              <a:t>27.04.2016</a:t>
             </a:fld>
             <a:endParaRPr lang="ru-RU"/>
           </a:p>
@@ -552,7 +552,7 @@
               <a:pPr>
                 <a:defRPr/>
               </a:pPr>
-              <a:t>24.04.2016</a:t>
+              <a:t>27.04.2016</a:t>
             </a:fld>
             <a:endParaRPr lang="ru-RU"/>
           </a:p>
@@ -2270,7 +2270,7 @@
             </a:pPr>
             <a:fld id="{7A9A1FDC-8A88-4447-9A0C-D68E3648B38F}" type="datetime1">
               <a:rPr lang="ru-RU" smtClean="0"/>
-              <a:t>24.04.2016</a:t>
+              <a:t>27.04.2016</a:t>
             </a:fld>
             <a:endParaRPr lang="en-US" dirty="0"/>
           </a:p>
@@ -2549,7 +2549,7 @@
             </a:pPr>
             <a:fld id="{15DD4B8C-669F-4311-9DBD-1C068DCA5F1A}" type="datetime1">
               <a:rPr lang="ru-RU" smtClean="0"/>
-              <a:t>24.04.2016</a:t>
+              <a:t>27.04.2016</a:t>
             </a:fld>
             <a:endParaRPr lang="en-US" dirty="0"/>
           </a:p>
@@ -3201,7 +3201,7 @@
             </a:pPr>
             <a:fld id="{40C2D286-01D0-4408-87A8-0C561AE14AB3}" type="datetime1">
               <a:rPr lang="ru-RU" smtClean="0"/>
-              <a:t>24.04.2016</a:t>
+              <a:t>27.04.2016</a:t>
             </a:fld>
             <a:endParaRPr lang="en-US" dirty="0"/>
           </a:p>
@@ -3480,7 +3480,7 @@
             </a:pPr>
             <a:fld id="{97FAB014-2836-48F0-AD5E-0688728232F4}" type="datetime1">
               <a:rPr lang="ru-RU" smtClean="0"/>
-              <a:t>24.04.2016</a:t>
+              <a:t>27.04.2016</a:t>
             </a:fld>
             <a:endParaRPr lang="en-US" dirty="0"/>
           </a:p>
@@ -4132,7 +4132,7 @@
             </a:pPr>
             <a:fld id="{05754FBF-67F9-46EC-A541-12BF6DBD6298}" type="datetime1">
               <a:rPr lang="ru-RU" smtClean="0"/>
-              <a:t>24.04.2016</a:t>
+              <a:t>27.04.2016</a:t>
             </a:fld>
             <a:endParaRPr lang="en-US" dirty="0"/>
           </a:p>
@@ -4471,7 +4471,7 @@
             </a:pPr>
             <a:fld id="{261F189F-AD3F-4E3D-A5BD-5C0998B8B622}" type="datetime1">
               <a:rPr lang="ru-RU" smtClean="0"/>
-              <a:t>24.04.2016</a:t>
+              <a:t>27.04.2016</a:t>
             </a:fld>
             <a:endParaRPr lang="en-US" dirty="0"/>
           </a:p>
@@ -4669,7 +4669,7 @@
             </a:pPr>
             <a:fld id="{DA177A90-9248-4CDB-9BCE-2A9011EA0413}" type="datetime1">
               <a:rPr lang="ru-RU" smtClean="0"/>
-              <a:t>24.04.2016</a:t>
+              <a:t>27.04.2016</a:t>
             </a:fld>
             <a:endParaRPr lang="ru-RU"/>
           </a:p>
@@ -4877,7 +4877,7 @@
             </a:pPr>
             <a:fld id="{9E4563B8-9891-4C61-8D73-2F15E71B3507}" type="datetime1">
               <a:rPr lang="ru-RU" smtClean="0"/>
-              <a:t>24.04.2016</a:t>
+              <a:t>27.04.2016</a:t>
             </a:fld>
             <a:endParaRPr lang="ru-RU"/>
           </a:p>
@@ -5122,7 +5122,7 @@
             </a:pPr>
             <a:fld id="{AA36305C-1E2A-4D18-B9E2-6AD623F7CC44}" type="datetime1">
               <a:rPr lang="ru-RU" smtClean="0"/>
-              <a:t>24.04.2016</a:t>
+              <a:t>27.04.2016</a:t>
             </a:fld>
             <a:endParaRPr lang="en-US" dirty="0"/>
           </a:p>
@@ -5397,7 +5397,7 @@
             </a:pPr>
             <a:fld id="{19242E39-DDB9-41A2-91DD-C7F7C05C6445}" type="datetime1">
               <a:rPr lang="ru-RU" smtClean="0"/>
-              <a:t>24.04.2016</a:t>
+              <a:t>27.04.2016</a:t>
             </a:fld>
             <a:endParaRPr lang="ru-RU"/>
           </a:p>
@@ -5722,7 +5722,7 @@
             </a:pPr>
             <a:fld id="{9EB81FF2-481A-4258-917E-A309A2E547E9}" type="datetime1">
               <a:rPr lang="ru-RU" smtClean="0"/>
-              <a:t>24.04.2016</a:t>
+              <a:t>27.04.2016</a:t>
             </a:fld>
             <a:endParaRPr lang="ru-RU"/>
           </a:p>
@@ -6129,7 +6129,7 @@
             </a:pPr>
             <a:fld id="{D8A1778F-295C-409F-95FD-8A76362ADD47}" type="datetime1">
               <a:rPr lang="ru-RU" smtClean="0"/>
-              <a:t>24.04.2016</a:t>
+              <a:t>27.04.2016</a:t>
             </a:fld>
             <a:endParaRPr lang="ru-RU"/>
           </a:p>
@@ -6280,7 +6280,7 @@
             </a:pPr>
             <a:fld id="{E77B05AC-8618-43F4-8A39-A2F8FFCBC1C3}" type="datetime1">
               <a:rPr lang="ru-RU" smtClean="0"/>
-              <a:t>24.04.2016</a:t>
+              <a:t>27.04.2016</a:t>
             </a:fld>
             <a:endParaRPr lang="ru-RU"/>
           </a:p>
@@ -6403,7 +6403,7 @@
             </a:pPr>
             <a:fld id="{C3331219-B120-47AF-85F7-B2388785BF52}" type="datetime1">
               <a:rPr lang="ru-RU" smtClean="0"/>
-              <a:t>24.04.2016</a:t>
+              <a:t>27.04.2016</a:t>
             </a:fld>
             <a:endParaRPr lang="ru-RU"/>
           </a:p>
@@ -6686,7 +6686,7 @@
             </a:pPr>
             <a:fld id="{31891979-3786-435F-9954-15BCA95FFD01}" type="datetime1">
               <a:rPr lang="ru-RU" smtClean="0"/>
-              <a:t>24.04.2016</a:t>
+              <a:t>27.04.2016</a:t>
             </a:fld>
             <a:endParaRPr lang="ru-RU"/>
           </a:p>
@@ -6978,7 +6978,7 @@
             </a:pPr>
             <a:fld id="{203203D8-0F38-4044-B290-E0E3C4071223}" type="datetime1">
               <a:rPr lang="ru-RU" smtClean="0"/>
-              <a:t>24.04.2016</a:t>
+              <a:t>27.04.2016</a:t>
             </a:fld>
             <a:endParaRPr lang="ru-RU"/>
           </a:p>
@@ -7909,7 +7909,7 @@
             </a:pPr>
             <a:fld id="{33AC80D0-F2F9-4D83-BB2A-5ED1AE521719}" type="datetime1">
               <a:rPr lang="ru-RU" smtClean="0"/>
-              <a:t>24.04.2016</a:t>
+              <a:t>27.04.2016</a:t>
             </a:fld>
             <a:endParaRPr lang="en-US" dirty="0"/>
           </a:p>
@@ -8520,250 +8520,7 @@
             <a:pPr eaLnBrk="1" hangingPunct="1">
               <a:defRPr/>
             </a:pPr>
-            <a:r>
-              <a:rPr lang="ru-RU" dirty="0" smtClean="0"/>
-              <a:t>Лекция </a:t>
-            </a:r>
-            <a:r>
-              <a:rPr lang="en-US" dirty="0" smtClean="0"/>
-              <a:t>2</a:t>
-            </a:r>
             <a:endParaRPr lang="ru-RU" dirty="0"/>
-          </a:p>
-        </p:txBody>
-      </p:sp>
-      <p:sp>
-        <p:nvSpPr>
-          <p:cNvPr id="17412" name="Нижний колонтитул 3"/>
-          <p:cNvSpPr txBox="1">
-            <a:spLocks/>
-          </p:cNvSpPr>
-          <p:nvPr/>
-        </p:nvSpPr>
-        <p:spPr bwMode="auto">
-          <a:xfrm>
-            <a:off x="755650" y="5937250"/>
-            <a:ext cx="6394450" cy="231775"/>
-          </a:xfrm>
-          <a:prstGeom prst="rect">
-            <a:avLst/>
-          </a:prstGeom>
-          <a:noFill/>
-          <a:ln>
-            <a:noFill/>
-          </a:ln>
-          <a:extLst>
-            <a:ext uri="{909E8E84-426E-40DD-AFC4-6F175D3DCCD1}">
-              <a14:hiddenFill xmlns:a14="http://schemas.microsoft.com/office/drawing/2010/main">
-                <a:solidFill>
-                  <a:srgbClr val="FFFFFF"/>
-                </a:solidFill>
-              </a14:hiddenFill>
-            </a:ext>
-            <a:ext uri="{91240B29-F687-4F45-9708-019B960494DF}">
-              <a14:hiddenLine xmlns:a14="http://schemas.microsoft.com/office/drawing/2010/main" w="9525">
-                <a:solidFill>
-                  <a:srgbClr val="000000"/>
-                </a:solidFill>
-                <a:miter lim="800000"/>
-                <a:headEnd/>
-                <a:tailEnd/>
-              </a14:hiddenLine>
-            </a:ext>
-          </a:extLst>
-        </p:spPr>
-        <p:txBody>
-          <a:bodyPr lIns="68580" tIns="34290" rIns="68580" bIns="34290" anchor="ctr"/>
-          <a:lstStyle>
-            <a:lvl1pPr defTabSz="685800">
-              <a:spcBef>
-                <a:spcPts val="1000"/>
-              </a:spcBef>
-              <a:buClr>
-                <a:schemeClr val="accent1"/>
-              </a:buClr>
-              <a:buSzPct val="80000"/>
-              <a:buFont typeface="Wingdings 3" panose="05040102010807070707" pitchFamily="18" charset="2"/>
-              <a:buChar char=""/>
-              <a:defRPr>
-                <a:solidFill>
-                  <a:srgbClr val="404040"/>
-                </a:solidFill>
-                <a:latin typeface="Trebuchet MS" panose="020B0603020202020204" pitchFamily="34" charset="0"/>
-              </a:defRPr>
-            </a:lvl1pPr>
-            <a:lvl2pPr marL="742950" indent="-285750" defTabSz="685800">
-              <a:spcBef>
-                <a:spcPts val="1000"/>
-              </a:spcBef>
-              <a:buClr>
-                <a:schemeClr val="accent1"/>
-              </a:buClr>
-              <a:buSzPct val="80000"/>
-              <a:buFont typeface="Wingdings 3" panose="05040102010807070707" pitchFamily="18" charset="2"/>
-              <a:buChar char=""/>
-              <a:defRPr sz="1600">
-                <a:solidFill>
-                  <a:srgbClr val="404040"/>
-                </a:solidFill>
-                <a:latin typeface="Trebuchet MS" panose="020B0603020202020204" pitchFamily="34" charset="0"/>
-              </a:defRPr>
-            </a:lvl2pPr>
-            <a:lvl3pPr marL="1143000" indent="-228600" defTabSz="685800">
-              <a:spcBef>
-                <a:spcPts val="1000"/>
-              </a:spcBef>
-              <a:buClr>
-                <a:schemeClr val="accent1"/>
-              </a:buClr>
-              <a:buSzPct val="80000"/>
-              <a:buFont typeface="Wingdings 3" panose="05040102010807070707" pitchFamily="18" charset="2"/>
-              <a:buChar char=""/>
-              <a:defRPr sz="1400">
-                <a:solidFill>
-                  <a:srgbClr val="404040"/>
-                </a:solidFill>
-                <a:latin typeface="Trebuchet MS" panose="020B0603020202020204" pitchFamily="34" charset="0"/>
-              </a:defRPr>
-            </a:lvl3pPr>
-            <a:lvl4pPr marL="1600200" indent="-228600" defTabSz="685800">
-              <a:spcBef>
-                <a:spcPts val="1000"/>
-              </a:spcBef>
-              <a:buClr>
-                <a:schemeClr val="accent1"/>
-              </a:buClr>
-              <a:buSzPct val="80000"/>
-              <a:buFont typeface="Wingdings 3" panose="05040102010807070707" pitchFamily="18" charset="2"/>
-              <a:buChar char=""/>
-              <a:defRPr sz="1200">
-                <a:solidFill>
-                  <a:srgbClr val="404040"/>
-                </a:solidFill>
-                <a:latin typeface="Trebuchet MS" panose="020B0603020202020204" pitchFamily="34" charset="0"/>
-              </a:defRPr>
-            </a:lvl4pPr>
-            <a:lvl5pPr marL="2057400" indent="-228600" defTabSz="685800">
-              <a:spcBef>
-                <a:spcPts val="1000"/>
-              </a:spcBef>
-              <a:buClr>
-                <a:schemeClr val="accent1"/>
-              </a:buClr>
-              <a:buSzPct val="80000"/>
-              <a:buFont typeface="Wingdings 3" panose="05040102010807070707" pitchFamily="18" charset="2"/>
-              <a:buChar char=""/>
-              <a:defRPr sz="1200">
-                <a:solidFill>
-                  <a:srgbClr val="404040"/>
-                </a:solidFill>
-                <a:latin typeface="Trebuchet MS" panose="020B0603020202020204" pitchFamily="34" charset="0"/>
-              </a:defRPr>
-            </a:lvl5pPr>
-            <a:lvl6pPr marL="2514600" indent="-228600" defTabSz="685800" eaLnBrk="0" fontAlgn="base" hangingPunct="0">
-              <a:spcBef>
-                <a:spcPts val="1000"/>
-              </a:spcBef>
-              <a:spcAft>
-                <a:spcPct val="0"/>
-              </a:spcAft>
-              <a:buClr>
-                <a:schemeClr val="accent1"/>
-              </a:buClr>
-              <a:buSzPct val="80000"/>
-              <a:buFont typeface="Wingdings 3" panose="05040102010807070707" pitchFamily="18" charset="2"/>
-              <a:buChar char=""/>
-              <a:defRPr sz="1200">
-                <a:solidFill>
-                  <a:srgbClr val="404040"/>
-                </a:solidFill>
-                <a:latin typeface="Trebuchet MS" panose="020B0603020202020204" pitchFamily="34" charset="0"/>
-              </a:defRPr>
-            </a:lvl6pPr>
-            <a:lvl7pPr marL="2971800" indent="-228600" defTabSz="685800" eaLnBrk="0" fontAlgn="base" hangingPunct="0">
-              <a:spcBef>
-                <a:spcPts val="1000"/>
-              </a:spcBef>
-              <a:spcAft>
-                <a:spcPct val="0"/>
-              </a:spcAft>
-              <a:buClr>
-                <a:schemeClr val="accent1"/>
-              </a:buClr>
-              <a:buSzPct val="80000"/>
-              <a:buFont typeface="Wingdings 3" panose="05040102010807070707" pitchFamily="18" charset="2"/>
-              <a:buChar char=""/>
-              <a:defRPr sz="1200">
-                <a:solidFill>
-                  <a:srgbClr val="404040"/>
-                </a:solidFill>
-                <a:latin typeface="Trebuchet MS" panose="020B0603020202020204" pitchFamily="34" charset="0"/>
-              </a:defRPr>
-            </a:lvl7pPr>
-            <a:lvl8pPr marL="3429000" indent="-228600" defTabSz="685800" eaLnBrk="0" fontAlgn="base" hangingPunct="0">
-              <a:spcBef>
-                <a:spcPts val="1000"/>
-              </a:spcBef>
-              <a:spcAft>
-                <a:spcPct val="0"/>
-              </a:spcAft>
-              <a:buClr>
-                <a:schemeClr val="accent1"/>
-              </a:buClr>
-              <a:buSzPct val="80000"/>
-              <a:buFont typeface="Wingdings 3" panose="05040102010807070707" pitchFamily="18" charset="2"/>
-              <a:buChar char=""/>
-              <a:defRPr sz="1200">
-                <a:solidFill>
-                  <a:srgbClr val="404040"/>
-                </a:solidFill>
-                <a:latin typeface="Trebuchet MS" panose="020B0603020202020204" pitchFamily="34" charset="0"/>
-              </a:defRPr>
-            </a:lvl8pPr>
-            <a:lvl9pPr marL="3886200" indent="-228600" defTabSz="685800" eaLnBrk="0" fontAlgn="base" hangingPunct="0">
-              <a:spcBef>
-                <a:spcPts val="1000"/>
-              </a:spcBef>
-              <a:spcAft>
-                <a:spcPct val="0"/>
-              </a:spcAft>
-              <a:buClr>
-                <a:schemeClr val="accent1"/>
-              </a:buClr>
-              <a:buSzPct val="80000"/>
-              <a:buFont typeface="Wingdings 3" panose="05040102010807070707" pitchFamily="18" charset="2"/>
-              <a:buChar char=""/>
-              <a:defRPr sz="1200">
-                <a:solidFill>
-                  <a:srgbClr val="404040"/>
-                </a:solidFill>
-                <a:latin typeface="Trebuchet MS" panose="020B0603020202020204" pitchFamily="34" charset="0"/>
-              </a:defRPr>
-            </a:lvl9pPr>
-          </a:lstStyle>
-          <a:p>
-            <a:pPr eaLnBrk="1" hangingPunct="1">
-              <a:spcBef>
-                <a:spcPct val="0"/>
-              </a:spcBef>
-              <a:buClrTx/>
-              <a:buSzTx/>
-              <a:buFontTx/>
-              <a:buNone/>
-            </a:pPr>
-            <a:r>
-              <a:rPr lang="ru-RU" sz="1400" dirty="0" smtClean="0"/>
-              <a:t>Введение в разработку приложений для смартфонов на ОС </a:t>
-            </a:r>
-            <a:r>
-              <a:rPr lang="ru-RU" sz="1400" dirty="0" err="1" smtClean="0"/>
-              <a:t>Android</a:t>
-            </a:r>
-            <a:endParaRPr lang="ru-RU" sz="1400" dirty="0">
-              <a:solidFill>
-                <a:srgbClr val="898989"/>
-              </a:solidFill>
-            </a:endParaRPr>
           </a:p>
         </p:txBody>
       </p:sp>
@@ -12167,25 +11924,6 @@
       </p:sp>
       <p:sp>
         <p:nvSpPr>
-          <p:cNvPr id="3" name="Содержимое 2"/>
-          <p:cNvSpPr>
-            <a:spLocks noGrp="1"/>
-          </p:cNvSpPr>
-          <p:nvPr>
-            <p:ph idx="1"/>
-          </p:nvPr>
-        </p:nvSpPr>
-        <p:spPr/>
-        <p:txBody>
-          <a:bodyPr/>
-          <a:lstStyle/>
-          <a:p>
-            <a:endParaRPr lang="ru-RU"/>
-          </a:p>
-        </p:txBody>
-      </p:sp>
-      <p:sp>
-        <p:nvSpPr>
           <p:cNvPr id="5" name="Номер слайда 4"/>
           <p:cNvSpPr>
             <a:spLocks noGrp="1"/>
@@ -12215,36 +11953,26 @@
       </p:sp>
       <p:pic>
         <p:nvPicPr>
-          <p:cNvPr id="1026" name="Picture 2"/>
+          <p:cNvPr id="4" name="Рисунок 3"/>
           <p:cNvPicPr>
-            <a:picLocks noChangeAspect="1" noChangeArrowheads="1"/>
+            <a:picLocks noChangeAspect="1"/>
           </p:cNvPicPr>
           <p:nvPr/>
         </p:nvPicPr>
         <p:blipFill>
           <a:blip r:embed="rId2"/>
-          <a:srcRect/>
           <a:stretch>
             <a:fillRect/>
           </a:stretch>
         </p:blipFill>
-        <p:spPr bwMode="auto">
+        <p:spPr>
           <a:xfrm>
-            <a:off x="1000100" y="1785926"/>
-            <a:ext cx="5678000" cy="4150892"/>
+            <a:off x="395536" y="1285860"/>
+            <a:ext cx="6905948" cy="5179461"/>
           </a:xfrm>
           <a:prstGeom prst="rect">
             <a:avLst/>
           </a:prstGeom>
-          <a:solidFill>
-            <a:srgbClr val="FFFFFF"/>
-          </a:solidFill>
-          <a:ln w="9525">
-            <a:noFill/>
-            <a:miter lim="800000"/>
-            <a:headEnd/>
-            <a:tailEnd/>
-          </a:ln>
         </p:spPr>
       </p:pic>
     </p:spTree>
@@ -12536,8 +12264,8 @@
         </p:blipFill>
         <p:spPr bwMode="auto">
           <a:xfrm>
-            <a:off x="1686138" y="3344858"/>
-            <a:ext cx="4600374" cy="2441596"/>
+            <a:off x="1217163" y="3278694"/>
+            <a:ext cx="5484468" cy="2910819"/>
           </a:xfrm>
           <a:prstGeom prst="rect">
             <a:avLst/>
@@ -13090,36 +12818,26 @@
       </p:sp>
       <p:pic>
         <p:nvPicPr>
-          <p:cNvPr id="3074" name="Picture 2"/>
+          <p:cNvPr id="4" name="Рисунок 3"/>
           <p:cNvPicPr>
-            <a:picLocks noChangeAspect="1" noChangeArrowheads="1"/>
+            <a:picLocks noChangeAspect="1"/>
           </p:cNvPicPr>
           <p:nvPr/>
         </p:nvPicPr>
         <p:blipFill>
           <a:blip r:embed="rId2"/>
-          <a:srcRect/>
           <a:stretch>
             <a:fillRect/>
           </a:stretch>
         </p:blipFill>
-        <p:spPr bwMode="auto">
+        <p:spPr>
           <a:xfrm>
-            <a:off x="1785918" y="4000504"/>
-            <a:ext cx="4873625" cy="1744663"/>
+            <a:off x="1259632" y="4293096"/>
+            <a:ext cx="6207992" cy="2186062"/>
           </a:xfrm>
           <a:prstGeom prst="rect">
             <a:avLst/>
           </a:prstGeom>
-          <a:solidFill>
-            <a:srgbClr val="FFFFFF"/>
-          </a:solidFill>
-          <a:ln w="9525">
-            <a:noFill/>
-            <a:miter lim="800000"/>
-            <a:headEnd/>
-            <a:tailEnd/>
-          </a:ln>
         </p:spPr>
       </p:pic>
     </p:spTree>
@@ -14193,16 +13911,20 @@
       </p:sp>
       <p:pic>
         <p:nvPicPr>
-          <p:cNvPr id="6" name="Picture 2"/>
+          <p:cNvPr id="1026" name="Picture 2" descr="State diagram for an Android Activity Lifecycle."/>
           <p:cNvPicPr>
-            <a:picLocks noGrp="1" noChangeAspect="1" noChangeArrowheads="1"/>
+            <a:picLocks noChangeAspect="1" noChangeArrowheads="1"/>
           </p:cNvPicPr>
-          <p:nvPr>
-            <p:ph idx="1"/>
-          </p:nvPr>
+          <p:nvPr/>
         </p:nvPicPr>
         <p:blipFill>
-          <a:blip r:embed="rId2"/>
+          <a:blip r:embed="rId2">
+            <a:extLst>
+              <a:ext uri="{28A0092B-C50C-407E-A947-70E740481C1C}">
+                <a14:useLocalDpi xmlns:a14="http://schemas.microsoft.com/office/drawing/2010/main" val="0"/>
+              </a:ext>
+            </a:extLst>
+          </a:blip>
           <a:srcRect/>
           <a:stretch>
             <a:fillRect/>
@@ -14210,21 +13932,22 @@
         </p:blipFill>
         <p:spPr bwMode="auto">
           <a:xfrm>
-            <a:off x="2143108" y="1357298"/>
-            <a:ext cx="3770450" cy="4570521"/>
+            <a:off x="1907704" y="1285860"/>
+            <a:ext cx="4176464" cy="5397653"/>
           </a:xfrm>
           <a:prstGeom prst="rect">
             <a:avLst/>
           </a:prstGeom>
-          <a:solidFill>
-            <a:srgbClr val="FFFFFF"/>
-          </a:solidFill>
-          <a:ln w="9525">
-            <a:noFill/>
-            <a:miter lim="800000"/>
-            <a:headEnd/>
-            <a:tailEnd/>
-          </a:ln>
+          <a:noFill/>
+          <a:extLst>
+            <a:ext uri="{909E8E84-426E-40DD-AFC4-6F175D3DCCD1}">
+              <a14:hiddenFill xmlns:a14="http://schemas.microsoft.com/office/drawing/2010/main">
+                <a:solidFill>
+                  <a:srgbClr val="FFFFFF"/>
+                </a:solidFill>
+              </a14:hiddenFill>
+            </a:ext>
+          </a:extLst>
         </p:spPr>
       </p:pic>
     </p:spTree>
@@ -14858,38 +14581,26 @@
       </p:sp>
       <p:pic>
         <p:nvPicPr>
-          <p:cNvPr id="9" name="Picture 2"/>
+          <p:cNvPr id="4" name="Рисунок 3"/>
           <p:cNvPicPr>
-            <a:picLocks noGrp="1" noChangeAspect="1" noChangeArrowheads="1"/>
+            <a:picLocks noChangeAspect="1"/>
           </p:cNvPicPr>
-          <p:nvPr>
-            <p:ph idx="1"/>
-          </p:nvPr>
+          <p:nvPr/>
         </p:nvPicPr>
         <p:blipFill>
           <a:blip r:embed="rId2"/>
-          <a:srcRect/>
           <a:stretch>
             <a:fillRect/>
           </a:stretch>
         </p:blipFill>
-        <p:spPr bwMode="auto">
+        <p:spPr>
           <a:xfrm>
-            <a:off x="2104967" y="1500188"/>
-            <a:ext cx="3357678" cy="4541837"/>
+            <a:off x="1907704" y="1556792"/>
+            <a:ext cx="3960440" cy="5038430"/>
           </a:xfrm>
           <a:prstGeom prst="rect">
             <a:avLst/>
           </a:prstGeom>
-          <a:solidFill>
-            <a:srgbClr val="FFFFFF"/>
-          </a:solidFill>
-          <a:ln w="9525">
-            <a:noFill/>
-            <a:miter lim="800000"/>
-            <a:headEnd/>
-            <a:tailEnd/>
-          </a:ln>
         </p:spPr>
       </p:pic>
     </p:spTree>
